--- a/Sistem za upravljanje bazama podataka - Backup&Restore Neo4j baze podataka.pptx
+++ b/Sistem za upravljanje bazama podataka - Backup&Restore Neo4j baze podataka.pptx
@@ -122,6 +122,11 @@
       </a:defRPr>
     </a:lvl9pPr>
   </p:defaultTextStyle>
+  <p:extLst>
+    <p:ext uri="{EFAFB233-063F-42B5-8137-9DF3F51BA10A}">
+      <p15:sldGuideLst xmlns:p15="http://schemas.microsoft.com/office/powerpoint/2012/main"/>
+    </p:ext>
+  </p:extLst>
 </p:presentation>
 </file>
 
@@ -207,7 +212,7 @@
           <a:p>
             <a:fld id="{EBC0849F-178D-4DEA-B07D-92E2D42D9965}" type="datetimeFigureOut">
               <a:rPr lang="en-US" smtClean="0"/>
-              <a:t>23-May-21</a:t>
+              <a:t>07-Sep-21</a:t>
             </a:fld>
             <a:endParaRPr lang="en-US"/>
           </a:p>
@@ -2924,7 +2929,7 @@
           <a:p>
             <a:fld id="{1291C984-5149-4D09-8C21-6D6E78693D00}" type="datetimeFigureOut">
               <a:rPr lang="en-US" smtClean="0"/>
-              <a:t>23-May-21</a:t>
+              <a:t>07-Sep-21</a:t>
             </a:fld>
             <a:endParaRPr lang="en-US"/>
           </a:p>
@@ -3122,7 +3127,7 @@
           <a:p>
             <a:fld id="{1291C984-5149-4D09-8C21-6D6E78693D00}" type="datetimeFigureOut">
               <a:rPr lang="en-US" smtClean="0"/>
-              <a:t>23-May-21</a:t>
+              <a:t>07-Sep-21</a:t>
             </a:fld>
             <a:endParaRPr lang="en-US"/>
           </a:p>
@@ -3330,7 +3335,7 @@
           <a:p>
             <a:fld id="{1291C984-5149-4D09-8C21-6D6E78693D00}" type="datetimeFigureOut">
               <a:rPr lang="en-US" smtClean="0"/>
-              <a:t>23-May-21</a:t>
+              <a:t>07-Sep-21</a:t>
             </a:fld>
             <a:endParaRPr lang="en-US"/>
           </a:p>
@@ -5599,7 +5604,7 @@
           <a:p>
             <a:fld id="{1291C984-5149-4D09-8C21-6D6E78693D00}" type="datetimeFigureOut">
               <a:rPr lang="en-US" smtClean="0"/>
-              <a:t>23-May-21</a:t>
+              <a:t>07-Sep-21</a:t>
             </a:fld>
             <a:endParaRPr lang="en-US"/>
           </a:p>
@@ -5874,7 +5879,7 @@
           <a:p>
             <a:fld id="{1291C984-5149-4D09-8C21-6D6E78693D00}" type="datetimeFigureOut">
               <a:rPr lang="en-US" smtClean="0"/>
-              <a:t>23-May-21</a:t>
+              <a:t>07-Sep-21</a:t>
             </a:fld>
             <a:endParaRPr lang="en-US"/>
           </a:p>
@@ -6139,7 +6144,7 @@
           <a:p>
             <a:fld id="{1291C984-5149-4D09-8C21-6D6E78693D00}" type="datetimeFigureOut">
               <a:rPr lang="en-US" smtClean="0"/>
-              <a:t>23-May-21</a:t>
+              <a:t>07-Sep-21</a:t>
             </a:fld>
             <a:endParaRPr lang="en-US"/>
           </a:p>
@@ -6551,7 +6556,7 @@
           <a:p>
             <a:fld id="{1291C984-5149-4D09-8C21-6D6E78693D00}" type="datetimeFigureOut">
               <a:rPr lang="en-US" smtClean="0"/>
-              <a:t>23-May-21</a:t>
+              <a:t>07-Sep-21</a:t>
             </a:fld>
             <a:endParaRPr lang="en-US"/>
           </a:p>
@@ -6692,7 +6697,7 @@
           <a:p>
             <a:fld id="{1291C984-5149-4D09-8C21-6D6E78693D00}" type="datetimeFigureOut">
               <a:rPr lang="en-US" smtClean="0"/>
-              <a:t>23-May-21</a:t>
+              <a:t>07-Sep-21</a:t>
             </a:fld>
             <a:endParaRPr lang="en-US"/>
           </a:p>
@@ -6805,7 +6810,7 @@
           <a:p>
             <a:fld id="{1291C984-5149-4D09-8C21-6D6E78693D00}" type="datetimeFigureOut">
               <a:rPr lang="en-US" smtClean="0"/>
-              <a:t>23-May-21</a:t>
+              <a:t>07-Sep-21</a:t>
             </a:fld>
             <a:endParaRPr lang="en-US"/>
           </a:p>
@@ -7116,7 +7121,7 @@
           <a:p>
             <a:fld id="{1291C984-5149-4D09-8C21-6D6E78693D00}" type="datetimeFigureOut">
               <a:rPr lang="en-US" smtClean="0"/>
-              <a:t>23-May-21</a:t>
+              <a:t>07-Sep-21</a:t>
             </a:fld>
             <a:endParaRPr lang="en-US"/>
           </a:p>
@@ -7404,7 +7409,7 @@
           <a:p>
             <a:fld id="{1291C984-5149-4D09-8C21-6D6E78693D00}" type="datetimeFigureOut">
               <a:rPr lang="en-US" smtClean="0"/>
-              <a:t>23-May-21</a:t>
+              <a:t>07-Sep-21</a:t>
             </a:fld>
             <a:endParaRPr lang="en-US"/>
           </a:p>
@@ -7645,7 +7650,7 @@
           <a:p>
             <a:fld id="{1291C984-5149-4D09-8C21-6D6E78693D00}" type="datetimeFigureOut">
               <a:rPr lang="en-US" smtClean="0"/>
-              <a:t>23-May-21</a:t>
+              <a:t>07-Sep-21</a:t>
             </a:fld>
             <a:endParaRPr lang="en-US"/>
           </a:p>
@@ -11125,7 +11130,7 @@
         </p:nvSpPr>
         <p:spPr>
           <a:xfrm>
-            <a:off x="6586233" y="4779933"/>
+            <a:off x="6586233" y="5070068"/>
             <a:ext cx="5116000" cy="1174400"/>
           </a:xfrm>
           <a:prstGeom prst="rect">
@@ -11145,10 +11150,10 @@
               <a:buNone/>
             </a:pPr>
             <a:r>
-              <a:rPr lang="en" sz="1600"/>
+              <a:rPr lang="en" sz="1600" dirty="0"/>
               <a:t>Graf je satavljen iz čvorova, relacija kao i njima pridrzuženim svojstvima.</a:t>
             </a:r>
-            <a:endParaRPr sz="1600"/>
+            <a:endParaRPr sz="1600" dirty="0"/>
           </a:p>
         </p:txBody>
       </p:sp>
@@ -13297,12 +13302,12 @@
                         </a:spcAft>
                       </a:pPr>
                       <a:r>
-                        <a:rPr lang="sr-Latn-CS" sz="1300">
+                        <a:rPr lang="sr-Latn-CS" sz="1300" dirty="0" err="1">
                           <a:effectLst/>
                         </a:rPr>
                         <a:t>Enterprise</a:t>
                       </a:r>
-                      <a:endParaRPr lang="en-US" sz="1500">
+                      <a:endParaRPr lang="en-US" sz="1500" dirty="0">
                         <a:effectLst/>
                         <a:latin typeface="Times New Roman" panose="02020603050405020304" pitchFamily="18" charset="0"/>
                         <a:ea typeface="Calibri" panose="020F0502020204030204" pitchFamily="34" charset="0"/>
@@ -13490,12 +13495,12 @@
                         </a:spcAft>
                       </a:pPr>
                       <a:r>
-                        <a:rPr lang="sr-Latn-CS" sz="1300">
+                        <a:rPr lang="sr-Latn-CS" sz="1300" dirty="0">
                           <a:effectLst/>
                         </a:rPr>
                         <a:t>Da</a:t>
                       </a:r>
-                      <a:endParaRPr lang="en-US" sz="1500">
+                      <a:endParaRPr lang="en-US" sz="1500" dirty="0">
                         <a:effectLst/>
                         <a:latin typeface="Times New Roman" panose="02020603050405020304" pitchFamily="18" charset="0"/>
                         <a:ea typeface="Calibri" panose="020F0502020204030204" pitchFamily="34" charset="0"/>
@@ -13876,12 +13881,12 @@
                         </a:spcAft>
                       </a:pPr>
                       <a:r>
-                        <a:rPr lang="sr-Latn-CS" sz="1300">
+                        <a:rPr lang="sr-Latn-CS" sz="1300" dirty="0">
                           <a:effectLst/>
                         </a:rPr>
                         <a:t>Da</a:t>
                       </a:r>
-                      <a:endParaRPr lang="en-US" sz="1500">
+                      <a:endParaRPr lang="en-US" sz="1500" dirty="0">
                         <a:effectLst/>
                         <a:latin typeface="Times New Roman" panose="02020603050405020304" pitchFamily="18" charset="0"/>
                         <a:ea typeface="Calibri" panose="020F0502020204030204" pitchFamily="34" charset="0"/>
@@ -13907,12 +13912,12 @@
                         </a:spcAft>
                       </a:pPr>
                       <a:r>
-                        <a:rPr lang="sr-Latn-CS" sz="1300">
+                        <a:rPr lang="sr-Latn-CS" sz="1300" dirty="0">
                           <a:effectLst/>
                         </a:rPr>
                         <a:t>Ne</a:t>
                       </a:r>
-                      <a:endParaRPr lang="en-US" sz="1500">
+                      <a:endParaRPr lang="en-US" sz="1500" dirty="0">
                         <a:effectLst/>
                         <a:latin typeface="Times New Roman" panose="02020603050405020304" pitchFamily="18" charset="0"/>
                         <a:ea typeface="Calibri" panose="020F0502020204030204" pitchFamily="34" charset="0"/>
